--- a/102/What is Machine Learning.pptx
+++ b/102/What is Machine Learning.pptx
@@ -207,7 +207,7 @@
           <a:p>
             <a:fld id="{84D57667-AEDC-4703-B2FC-5B8363979F05}" type="datetimeFigureOut">
               <a:rPr lang="en-US" smtClean="0"/>
-              <a:t>8/15/2024</a:t>
+              <a:t>01/01/2025</a:t>
             </a:fld>
             <a:endParaRPr lang="en-US"/>
           </a:p>
@@ -603,7 +603,7 @@
           <a:p>
             <a:fld id="{E7DC89A4-7F2E-4419-9B19-13C21B9B0165}" type="datetimeFigureOut">
               <a:rPr lang="en-US" smtClean="0"/>
-              <a:t>8/15/2024</a:t>
+              <a:t>01/01/2025</a:t>
             </a:fld>
             <a:endParaRPr lang="en-US"/>
           </a:p>
@@ -771,7 +771,7 @@
           <a:p>
             <a:fld id="{E7DC89A4-7F2E-4419-9B19-13C21B9B0165}" type="datetimeFigureOut">
               <a:rPr lang="en-US" smtClean="0"/>
-              <a:t>8/15/2024</a:t>
+              <a:t>01/01/2025</a:t>
             </a:fld>
             <a:endParaRPr lang="en-US"/>
           </a:p>
@@ -949,7 +949,7 @@
           <a:p>
             <a:fld id="{E7DC89A4-7F2E-4419-9B19-13C21B9B0165}" type="datetimeFigureOut">
               <a:rPr lang="en-US" smtClean="0"/>
-              <a:t>8/15/2024</a:t>
+              <a:t>01/01/2025</a:t>
             </a:fld>
             <a:endParaRPr lang="en-US"/>
           </a:p>
@@ -1117,7 +1117,7 @@
           <a:p>
             <a:fld id="{E7DC89A4-7F2E-4419-9B19-13C21B9B0165}" type="datetimeFigureOut">
               <a:rPr lang="en-US" smtClean="0"/>
-              <a:t>8/15/2024</a:t>
+              <a:t>01/01/2025</a:t>
             </a:fld>
             <a:endParaRPr lang="en-US"/>
           </a:p>
@@ -1362,7 +1362,7 @@
           <a:p>
             <a:fld id="{E7DC89A4-7F2E-4419-9B19-13C21B9B0165}" type="datetimeFigureOut">
               <a:rPr lang="en-US" smtClean="0"/>
-              <a:t>8/15/2024</a:t>
+              <a:t>01/01/2025</a:t>
             </a:fld>
             <a:endParaRPr lang="en-US"/>
           </a:p>
@@ -1591,7 +1591,7 @@
           <a:p>
             <a:fld id="{E7DC89A4-7F2E-4419-9B19-13C21B9B0165}" type="datetimeFigureOut">
               <a:rPr lang="en-US" smtClean="0"/>
-              <a:t>8/15/2024</a:t>
+              <a:t>01/01/2025</a:t>
             </a:fld>
             <a:endParaRPr lang="en-US"/>
           </a:p>
@@ -1955,7 +1955,7 @@
           <a:p>
             <a:fld id="{E7DC89A4-7F2E-4419-9B19-13C21B9B0165}" type="datetimeFigureOut">
               <a:rPr lang="en-US" smtClean="0"/>
-              <a:t>8/15/2024</a:t>
+              <a:t>01/01/2025</a:t>
             </a:fld>
             <a:endParaRPr lang="en-US"/>
           </a:p>
@@ -2072,7 +2072,7 @@
           <a:p>
             <a:fld id="{E7DC89A4-7F2E-4419-9B19-13C21B9B0165}" type="datetimeFigureOut">
               <a:rPr lang="en-US" smtClean="0"/>
-              <a:t>8/15/2024</a:t>
+              <a:t>01/01/2025</a:t>
             </a:fld>
             <a:endParaRPr lang="en-US"/>
           </a:p>
@@ -2167,7 +2167,7 @@
           <a:p>
             <a:fld id="{E7DC89A4-7F2E-4419-9B19-13C21B9B0165}" type="datetimeFigureOut">
               <a:rPr lang="en-US" smtClean="0"/>
-              <a:t>8/15/2024</a:t>
+              <a:t>01/01/2025</a:t>
             </a:fld>
             <a:endParaRPr lang="en-US"/>
           </a:p>
@@ -2442,7 +2442,7 @@
           <a:p>
             <a:fld id="{E7DC89A4-7F2E-4419-9B19-13C21B9B0165}" type="datetimeFigureOut">
               <a:rPr lang="en-US" smtClean="0"/>
-              <a:t>8/15/2024</a:t>
+              <a:t>01/01/2025</a:t>
             </a:fld>
             <a:endParaRPr lang="en-US"/>
           </a:p>
@@ -2694,7 +2694,7 @@
           <a:p>
             <a:fld id="{E7DC89A4-7F2E-4419-9B19-13C21B9B0165}" type="datetimeFigureOut">
               <a:rPr lang="en-US" smtClean="0"/>
-              <a:t>8/15/2024</a:t>
+              <a:t>01/01/2025</a:t>
             </a:fld>
             <a:endParaRPr lang="en-US"/>
           </a:p>
@@ -2914,7 +2914,7 @@
           <a:p>
             <a:fld id="{E7DC89A4-7F2E-4419-9B19-13C21B9B0165}" type="datetimeFigureOut">
               <a:rPr lang="en-US" smtClean="0"/>
-              <a:t>8/15/2024</a:t>
+              <a:t>01/01/2025</a:t>
             </a:fld>
             <a:endParaRPr lang="en-US"/>
           </a:p>
@@ -4115,7 +4115,45 @@
                 <a:ea typeface="Calibri" panose="020F0502020204030204" pitchFamily="34" charset="0"/>
                 <a:cs typeface="Times New Roman" panose="02020603050405020304" pitchFamily="18" charset="0"/>
               </a:rPr>
-              <a:t>Supervised learning is a type of machine learning. It is basically a synonym of classiﬁcation. The supervision in the learning comes from the labeled instances in the training data. </a:t>
+              <a:t>Supervised learning is a type of machine learning. It is basically a synonym of </a:t>
+            </a:r>
+            <a:r>
+              <a:rPr lang="en-US" dirty="0">
+                <a:solidFill>
+                  <a:srgbClr val="FF0000"/>
+                </a:solidFill>
+                <a:latin typeface="Bookman Old Style" panose="02050604050505020204" pitchFamily="18" charset="0"/>
+                <a:ea typeface="Calibri" panose="020F0502020204030204" pitchFamily="34" charset="0"/>
+                <a:cs typeface="Times New Roman" panose="02020603050405020304" pitchFamily="18" charset="0"/>
+              </a:rPr>
+              <a:t>classiﬁcation</a:t>
+            </a:r>
+            <a:r>
+              <a:rPr lang="en-US" dirty="0">
+                <a:latin typeface="Bookman Old Style" panose="02050604050505020204" pitchFamily="18" charset="0"/>
+                <a:ea typeface="Calibri" panose="020F0502020204030204" pitchFamily="34" charset="0"/>
+                <a:cs typeface="Times New Roman" panose="02020603050405020304" pitchFamily="18" charset="0"/>
+              </a:rPr>
+              <a:t>. The supervision in the learning comes from the </a:t>
+            </a:r>
+            <a:r>
+              <a:rPr lang="en-US" dirty="0">
+                <a:solidFill>
+                  <a:srgbClr val="FF0000"/>
+                </a:solidFill>
+                <a:latin typeface="Bookman Old Style" panose="02050604050505020204" pitchFamily="18" charset="0"/>
+                <a:ea typeface="Calibri" panose="020F0502020204030204" pitchFamily="34" charset="0"/>
+                <a:cs typeface="Times New Roman" panose="02020603050405020304" pitchFamily="18" charset="0"/>
+              </a:rPr>
+              <a:t>labeled instances </a:t>
+            </a:r>
+            <a:r>
+              <a:rPr lang="en-US" dirty="0">
+                <a:latin typeface="Bookman Old Style" panose="02050604050505020204" pitchFamily="18" charset="0"/>
+                <a:ea typeface="Calibri" panose="020F0502020204030204" pitchFamily="34" charset="0"/>
+                <a:cs typeface="Times New Roman" panose="02020603050405020304" pitchFamily="18" charset="0"/>
+              </a:rPr>
+              <a:t>in the training data. </a:t>
             </a:r>
             <a:endParaRPr lang="en-US" dirty="0">
               <a:effectLst/>
